--- a/Relations Example 2010 Q7.pptx
+++ b/Relations Example 2010 Q7.pptx
@@ -7,8 +7,9 @@
   <p:sldIdLst>
     <p:sldId id="256" r:id="rId2"/>
     <p:sldId id="257" r:id="rId3"/>
-    <p:sldId id="259" r:id="rId4"/>
-    <p:sldId id="258" r:id="rId5"/>
+    <p:sldId id="260" r:id="rId4"/>
+    <p:sldId id="259" r:id="rId5"/>
+    <p:sldId id="258" r:id="rId6"/>
   </p:sldIdLst>
   <p:sldSz cx="9144000" cy="6858000" type="screen4x3"/>
   <p:notesSz cx="6858000" cy="9144000"/>
@@ -291,7 +292,8 @@
           <a:p>
             <a:fld id="{37CFD423-998A-4043-B9FB-5CBB5F3D009D}" type="datetimeFigureOut">
               <a:rPr lang="en-IE" smtClean="0"/>
-              <a:t>23/12/2013</a:t>
+              <a:pPr/>
+              <a:t>24/12/2013</a:t>
             </a:fld>
             <a:endParaRPr lang="en-IE"/>
           </a:p>
@@ -333,6 +335,7 @@
           <a:p>
             <a:fld id="{F1B31714-A78D-4F20-A425-5ED66A81B080}" type="slidenum">
               <a:rPr lang="en-IE" smtClean="0"/>
+              <a:pPr/>
               <a:t>‹#›</a:t>
             </a:fld>
             <a:endParaRPr lang="en-IE"/>
@@ -456,7 +459,8 @@
           <a:p>
             <a:fld id="{37CFD423-998A-4043-B9FB-5CBB5F3D009D}" type="datetimeFigureOut">
               <a:rPr lang="en-IE" smtClean="0"/>
-              <a:t>23/12/2013</a:t>
+              <a:pPr/>
+              <a:t>24/12/2013</a:t>
             </a:fld>
             <a:endParaRPr lang="en-IE"/>
           </a:p>
@@ -498,6 +502,7 @@
           <a:p>
             <a:fld id="{F1B31714-A78D-4F20-A425-5ED66A81B080}" type="slidenum">
               <a:rPr lang="en-IE" smtClean="0"/>
+              <a:pPr/>
               <a:t>‹#›</a:t>
             </a:fld>
             <a:endParaRPr lang="en-IE"/>
@@ -631,7 +636,8 @@
           <a:p>
             <a:fld id="{37CFD423-998A-4043-B9FB-5CBB5F3D009D}" type="datetimeFigureOut">
               <a:rPr lang="en-IE" smtClean="0"/>
-              <a:t>23/12/2013</a:t>
+              <a:pPr/>
+              <a:t>24/12/2013</a:t>
             </a:fld>
             <a:endParaRPr lang="en-IE"/>
           </a:p>
@@ -673,6 +679,7 @@
           <a:p>
             <a:fld id="{F1B31714-A78D-4F20-A425-5ED66A81B080}" type="slidenum">
               <a:rPr lang="en-IE" smtClean="0"/>
+              <a:pPr/>
               <a:t>‹#›</a:t>
             </a:fld>
             <a:endParaRPr lang="en-IE"/>
@@ -796,7 +803,8 @@
           <a:p>
             <a:fld id="{37CFD423-998A-4043-B9FB-5CBB5F3D009D}" type="datetimeFigureOut">
               <a:rPr lang="en-IE" smtClean="0"/>
-              <a:t>23/12/2013</a:t>
+              <a:pPr/>
+              <a:t>24/12/2013</a:t>
             </a:fld>
             <a:endParaRPr lang="en-IE"/>
           </a:p>
@@ -838,6 +846,7 @@
           <a:p>
             <a:fld id="{F1B31714-A78D-4F20-A425-5ED66A81B080}" type="slidenum">
               <a:rPr lang="en-IE" smtClean="0"/>
+              <a:pPr/>
               <a:t>‹#›</a:t>
             </a:fld>
             <a:endParaRPr lang="en-IE"/>
@@ -1037,7 +1046,8 @@
           <a:p>
             <a:fld id="{37CFD423-998A-4043-B9FB-5CBB5F3D009D}" type="datetimeFigureOut">
               <a:rPr lang="en-IE" smtClean="0"/>
-              <a:t>23/12/2013</a:t>
+              <a:pPr/>
+              <a:t>24/12/2013</a:t>
             </a:fld>
             <a:endParaRPr lang="en-IE"/>
           </a:p>
@@ -1079,6 +1089,7 @@
           <a:p>
             <a:fld id="{F1B31714-A78D-4F20-A425-5ED66A81B080}" type="slidenum">
               <a:rPr lang="en-IE" smtClean="0"/>
+              <a:pPr/>
               <a:t>‹#›</a:t>
             </a:fld>
             <a:endParaRPr lang="en-IE"/>
@@ -1320,7 +1331,8 @@
           <a:p>
             <a:fld id="{37CFD423-998A-4043-B9FB-5CBB5F3D009D}" type="datetimeFigureOut">
               <a:rPr lang="en-IE" smtClean="0"/>
-              <a:t>23/12/2013</a:t>
+              <a:pPr/>
+              <a:t>24/12/2013</a:t>
             </a:fld>
             <a:endParaRPr lang="en-IE"/>
           </a:p>
@@ -1362,6 +1374,7 @@
           <a:p>
             <a:fld id="{F1B31714-A78D-4F20-A425-5ED66A81B080}" type="slidenum">
               <a:rPr lang="en-IE" smtClean="0"/>
+              <a:pPr/>
               <a:t>‹#›</a:t>
             </a:fld>
             <a:endParaRPr lang="en-IE"/>
@@ -1737,7 +1750,8 @@
           <a:p>
             <a:fld id="{37CFD423-998A-4043-B9FB-5CBB5F3D009D}" type="datetimeFigureOut">
               <a:rPr lang="en-IE" smtClean="0"/>
-              <a:t>23/12/2013</a:t>
+              <a:pPr/>
+              <a:t>24/12/2013</a:t>
             </a:fld>
             <a:endParaRPr lang="en-IE"/>
           </a:p>
@@ -1779,6 +1793,7 @@
           <a:p>
             <a:fld id="{F1B31714-A78D-4F20-A425-5ED66A81B080}" type="slidenum">
               <a:rPr lang="en-IE" smtClean="0"/>
+              <a:pPr/>
               <a:t>‹#›</a:t>
             </a:fld>
             <a:endParaRPr lang="en-IE"/>
@@ -1850,7 +1865,8 @@
           <a:p>
             <a:fld id="{37CFD423-998A-4043-B9FB-5CBB5F3D009D}" type="datetimeFigureOut">
               <a:rPr lang="en-IE" smtClean="0"/>
-              <a:t>23/12/2013</a:t>
+              <a:pPr/>
+              <a:t>24/12/2013</a:t>
             </a:fld>
             <a:endParaRPr lang="en-IE"/>
           </a:p>
@@ -1892,6 +1908,7 @@
           <a:p>
             <a:fld id="{F1B31714-A78D-4F20-A425-5ED66A81B080}" type="slidenum">
               <a:rPr lang="en-IE" smtClean="0"/>
+              <a:pPr/>
               <a:t>‹#›</a:t>
             </a:fld>
             <a:endParaRPr lang="en-IE"/>
@@ -1940,7 +1957,8 @@
           <a:p>
             <a:fld id="{37CFD423-998A-4043-B9FB-5CBB5F3D009D}" type="datetimeFigureOut">
               <a:rPr lang="en-IE" smtClean="0"/>
-              <a:t>23/12/2013</a:t>
+              <a:pPr/>
+              <a:t>24/12/2013</a:t>
             </a:fld>
             <a:endParaRPr lang="en-IE"/>
           </a:p>
@@ -1982,6 +2000,7 @@
           <a:p>
             <a:fld id="{F1B31714-A78D-4F20-A425-5ED66A81B080}" type="slidenum">
               <a:rPr lang="en-IE" smtClean="0"/>
+              <a:pPr/>
               <a:t>‹#›</a:t>
             </a:fld>
             <a:endParaRPr lang="en-IE"/>
@@ -2212,7 +2231,8 @@
           <a:p>
             <a:fld id="{37CFD423-998A-4043-B9FB-5CBB5F3D009D}" type="datetimeFigureOut">
               <a:rPr lang="en-IE" smtClean="0"/>
-              <a:t>23/12/2013</a:t>
+              <a:pPr/>
+              <a:t>24/12/2013</a:t>
             </a:fld>
             <a:endParaRPr lang="en-IE"/>
           </a:p>
@@ -2254,6 +2274,7 @@
           <a:p>
             <a:fld id="{F1B31714-A78D-4F20-A425-5ED66A81B080}" type="slidenum">
               <a:rPr lang="en-IE" smtClean="0"/>
+              <a:pPr/>
               <a:t>‹#›</a:t>
             </a:fld>
             <a:endParaRPr lang="en-IE"/>
@@ -2460,7 +2481,8 @@
           <a:p>
             <a:fld id="{37CFD423-998A-4043-B9FB-5CBB5F3D009D}" type="datetimeFigureOut">
               <a:rPr lang="en-IE" smtClean="0"/>
-              <a:t>23/12/2013</a:t>
+              <a:pPr/>
+              <a:t>24/12/2013</a:t>
             </a:fld>
             <a:endParaRPr lang="en-IE"/>
           </a:p>
@@ -2502,6 +2524,7 @@
           <a:p>
             <a:fld id="{F1B31714-A78D-4F20-A425-5ED66A81B080}" type="slidenum">
               <a:rPr lang="en-IE" smtClean="0"/>
+              <a:pPr/>
               <a:t>‹#›</a:t>
             </a:fld>
             <a:endParaRPr lang="en-IE"/>
@@ -2668,7 +2691,8 @@
           <a:p>
             <a:fld id="{37CFD423-998A-4043-B9FB-5CBB5F3D009D}" type="datetimeFigureOut">
               <a:rPr lang="en-IE" smtClean="0"/>
-              <a:t>23/12/2013</a:t>
+              <a:pPr/>
+              <a:t>24/12/2013</a:t>
             </a:fld>
             <a:endParaRPr lang="en-IE"/>
           </a:p>
@@ -2746,6 +2770,7 @@
           <a:p>
             <a:fld id="{F1B31714-A78D-4F20-A425-5ED66A81B080}" type="slidenum">
               <a:rPr lang="en-IE" smtClean="0"/>
+              <a:pPr/>
               <a:t>‹#›</a:t>
             </a:fld>
             <a:endParaRPr lang="en-IE"/>
@@ -3050,12 +3075,29 @@
         </p:nvSpPr>
         <p:spPr/>
         <p:txBody>
-          <a:bodyPr/>
+          <a:bodyPr>
+            <a:normAutofit/>
+          </a:bodyPr>
           <a:lstStyle/>
           <a:p>
             <a:r>
               <a:rPr lang="en-IE" dirty="0" smtClean="0"/>
-              <a:t>Digraphs and Relations</a:t>
+              <a:t>Mathematics </a:t>
+            </a:r>
+            <a:r>
+              <a:rPr lang="en-IE" dirty="0" smtClean="0"/>
+              <a:t>For Computing</a:t>
+            </a:r>
+            <a:br>
+              <a:rPr lang="en-IE" dirty="0" smtClean="0"/>
+            </a:br>
+            <a:r>
+              <a:rPr lang="en-IE" dirty="0" smtClean="0"/>
+              <a:t>Digraphs </a:t>
+            </a:r>
+            <a:r>
+              <a:rPr lang="en-IE" dirty="0" smtClean="0"/>
+              <a:t>and Relations</a:t>
             </a:r>
             <a:endParaRPr lang="en-IE" dirty="0"/>
           </a:p>
@@ -3078,13 +3120,9 @@
           <a:p>
             <a:r>
               <a:rPr lang="en-IE" dirty="0" smtClean="0"/>
-              <a:t>2010 Zone </a:t>
-            </a:r>
-            <a:r>
-              <a:rPr lang="en-IE" smtClean="0"/>
-              <a:t>B Question 7</a:t>
-            </a:r>
-            <a:endParaRPr lang="en-IE"/>
+              <a:t>www.Stats-Lab.com</a:t>
+            </a:r>
+            <a:endParaRPr lang="en-IE" dirty="0"/>
           </a:p>
         </p:txBody>
       </p:sp>
@@ -3230,15 +3268,15 @@
         </p:nvPicPr>
         <p:blipFill>
           <a:blip r:embed="rId2" cstate="print"/>
-          <a:srcRect l="20169" t="59499" r="21362" b="21409"/>
+          <a:srcRect l="18975" t="26088" r="15655" b="59385"/>
           <a:stretch>
             <a:fillRect/>
           </a:stretch>
         </p:blipFill>
         <p:spPr bwMode="auto">
           <a:xfrm>
-            <a:off x="467544" y="1700808"/>
-            <a:ext cx="7644849" cy="1872208"/>
+            <a:off x="107504" y="1412776"/>
+            <a:ext cx="8640960" cy="1440160"/>
           </a:xfrm>
           <a:prstGeom prst="rect">
             <a:avLst/>
@@ -3261,6 +3299,88 @@
 </file>
 
 <file path=ppt/slides/slide4.xml><?xml version="1.0" encoding="utf-8"?>
+<p:sld xmlns:a="http://schemas.openxmlformats.org/drawingml/2006/main" xmlns:r="http://schemas.openxmlformats.org/officeDocument/2006/relationships" xmlns:p="http://schemas.openxmlformats.org/presentationml/2006/main">
+  <p:cSld>
+    <p:spTree>
+      <p:nvGrpSpPr>
+        <p:cNvPr id="1" name=""/>
+        <p:cNvGrpSpPr/>
+        <p:nvPr/>
+      </p:nvGrpSpPr>
+      <p:grpSpPr>
+        <a:xfrm>
+          <a:off x="0" y="0"/>
+          <a:ext cx="0" cy="0"/>
+          <a:chOff x="0" y="0"/>
+          <a:chExt cx="0" cy="0"/>
+        </a:xfrm>
+      </p:grpSpPr>
+      <p:sp>
+        <p:nvSpPr>
+          <p:cNvPr id="2" name="Title 1"/>
+          <p:cNvSpPr>
+            <a:spLocks noGrp="1"/>
+          </p:cNvSpPr>
+          <p:nvPr>
+            <p:ph type="title"/>
+          </p:nvPr>
+        </p:nvSpPr>
+        <p:spPr/>
+        <p:txBody>
+          <a:bodyPr/>
+          <a:lstStyle/>
+          <a:p>
+            <a:r>
+              <a:rPr lang="en-IE" dirty="0" smtClean="0"/>
+              <a:t>Digraphs and Relations</a:t>
+            </a:r>
+            <a:endParaRPr lang="en-IE" dirty="0"/>
+          </a:p>
+        </p:txBody>
+      </p:sp>
+      <p:pic>
+        <p:nvPicPr>
+          <p:cNvPr id="1026" name="Picture 2"/>
+          <p:cNvPicPr>
+            <a:picLocks noGrp="1" noChangeAspect="1" noChangeArrowheads="1"/>
+          </p:cNvPicPr>
+          <p:nvPr>
+            <p:ph idx="1"/>
+          </p:nvPr>
+        </p:nvPicPr>
+        <p:blipFill>
+          <a:blip r:embed="rId2" cstate="print"/>
+          <a:srcRect l="18975" t="40615" r="14842" b="46311"/>
+          <a:stretch>
+            <a:fillRect/>
+          </a:stretch>
+        </p:blipFill>
+        <p:spPr bwMode="auto">
+          <a:xfrm>
+            <a:off x="0" y="1196752"/>
+            <a:ext cx="8748464" cy="1296144"/>
+          </a:xfrm>
+          <a:prstGeom prst="rect">
+            <a:avLst/>
+          </a:prstGeom>
+          <a:noFill/>
+          <a:ln w="9525">
+            <a:noFill/>
+            <a:miter lim="800000"/>
+            <a:headEnd/>
+            <a:tailEnd/>
+          </a:ln>
+        </p:spPr>
+      </p:pic>
+    </p:spTree>
+  </p:cSld>
+  <p:clrMapOvr>
+    <a:masterClrMapping/>
+  </p:clrMapOvr>
+</p:sld>
+</file>
+
+<file path=ppt/slides/slide5.xml><?xml version="1.0" encoding="utf-8"?>
 <p:sld xmlns:a="http://schemas.openxmlformats.org/drawingml/2006/main" xmlns:r="http://schemas.openxmlformats.org/officeDocument/2006/relationships" xmlns:p="http://schemas.openxmlformats.org/presentationml/2006/main">
   <p:cSld>
     <p:spTree>
